--- a/hcsrn_webinar_diy_analytics.pptx
+++ b/hcsrn_webinar_diy_analytics.pptx
@@ -6,7 +6,7 @@
     <p:sldMasterId id="2147483686" r:id="rId2"/>
   </p:sldMasterIdLst>
   <p:notesMasterIdLst>
-    <p:notesMasterId r:id="rId26"/>
+    <p:notesMasterId r:id="rId25"/>
   </p:notesMasterIdLst>
   <p:sldIdLst>
     <p:sldId id="256" r:id="rId3"/>
@@ -18,20 +18,19 @@
     <p:sldId id="278" r:id="rId9"/>
     <p:sldId id="263" r:id="rId10"/>
     <p:sldId id="280" r:id="rId11"/>
-    <p:sldId id="285" r:id="rId12"/>
-    <p:sldId id="281" r:id="rId13"/>
-    <p:sldId id="271" r:id="rId14"/>
-    <p:sldId id="272" r:id="rId15"/>
-    <p:sldId id="266" r:id="rId16"/>
-    <p:sldId id="267" r:id="rId17"/>
-    <p:sldId id="268" r:id="rId18"/>
-    <p:sldId id="270" r:id="rId19"/>
-    <p:sldId id="273" r:id="rId20"/>
-    <p:sldId id="282" r:id="rId21"/>
-    <p:sldId id="284" r:id="rId22"/>
-    <p:sldId id="283" r:id="rId23"/>
-    <p:sldId id="277" r:id="rId24"/>
-    <p:sldId id="276" r:id="rId25"/>
+    <p:sldId id="281" r:id="rId12"/>
+    <p:sldId id="271" r:id="rId13"/>
+    <p:sldId id="272" r:id="rId14"/>
+    <p:sldId id="266" r:id="rId15"/>
+    <p:sldId id="267" r:id="rId16"/>
+    <p:sldId id="268" r:id="rId17"/>
+    <p:sldId id="270" r:id="rId18"/>
+    <p:sldId id="273" r:id="rId19"/>
+    <p:sldId id="282" r:id="rId20"/>
+    <p:sldId id="284" r:id="rId21"/>
+    <p:sldId id="283" r:id="rId22"/>
+    <p:sldId id="277" r:id="rId23"/>
+    <p:sldId id="276" r:id="rId24"/>
   </p:sldIdLst>
   <p:sldSz cx="12192000" cy="6858000"/>
   <p:notesSz cx="6858000" cy="9144000"/>
@@ -668,7 +667,7 @@
           <a:p>
             <a:r>
               <a:rPr lang="en-US" dirty="0"/>
-              <a:t>The one difference is whether the classifier was capable of returning individual probabilities rather than just whole number will-the-or-won’t-they scores.</a:t>
+              <a:t>The one difference is whether the classifier was capable of returning individual probabilities rather than just whole number will-they-or-won’t-they scores.</a:t>
             </a:r>
           </a:p>
           <a:p>
@@ -699,7 +698,7 @@
           <a:p>
             <a:fld id="{69FC0A38-DBDE-460A-8530-8E0C13833A00}" type="slidenum">
               <a:rPr lang="en-US" smtClean="0"/>
-              <a:t>12</a:t>
+              <a:t>11</a:t>
             </a:fld>
             <a:endParaRPr lang="en-US"/>
           </a:p>
@@ -823,7 +822,7 @@
           <a:p>
             <a:fld id="{69FC0A38-DBDE-460A-8530-8E0C13833A00}" type="slidenum">
               <a:rPr lang="en-US" smtClean="0"/>
-              <a:t>13</a:t>
+              <a:t>12</a:t>
             </a:fld>
             <a:endParaRPr lang="en-US"/>
           </a:p>
@@ -938,7 +937,7 @@
           <a:p>
             <a:fld id="{69FC0A38-DBDE-460A-8530-8E0C13833A00}" type="slidenum">
               <a:rPr lang="en-US" smtClean="0"/>
-              <a:t>14</a:t>
+              <a:t>13</a:t>
             </a:fld>
             <a:endParaRPr lang="en-US"/>
           </a:p>
@@ -1363,7 +1362,7 @@
           <a:p>
             <a:fld id="{69FC0A38-DBDE-460A-8530-8E0C13833A00}" type="slidenum">
               <a:rPr lang="en-US" smtClean="0"/>
-              <a:t>16</a:t>
+              <a:t>15</a:t>
             </a:fld>
             <a:endParaRPr lang="en-US"/>
           </a:p>
@@ -1450,7 +1449,7 @@
           <a:p>
             <a:fld id="{69FC0A38-DBDE-460A-8530-8E0C13833A00}" type="slidenum">
               <a:rPr lang="en-US" smtClean="0"/>
-              <a:t>17</a:t>
+              <a:t>16</a:t>
             </a:fld>
             <a:endParaRPr lang="en-US"/>
           </a:p>
@@ -1608,7 +1607,7 @@
           <a:p>
             <a:fld id="{69FC0A38-DBDE-460A-8530-8E0C13833A00}" type="slidenum">
               <a:rPr lang="en-US" smtClean="0"/>
-              <a:t>18</a:t>
+              <a:t>17</a:t>
             </a:fld>
             <a:endParaRPr lang="en-US"/>
           </a:p>
@@ -1695,7 +1694,7 @@
           <a:p>
             <a:fld id="{75B7C00E-9EAE-46FD-9540-156265FB12BC}" type="slidenum">
               <a:rPr lang="en-US" smtClean="0"/>
-              <a:t>19</a:t>
+              <a:t>18</a:t>
             </a:fld>
             <a:endParaRPr lang="en-US"/>
           </a:p>
@@ -1782,7 +1781,7 @@
           <a:p>
             <a:fld id="{69FC0A38-DBDE-460A-8530-8E0C13833A00}" type="slidenum">
               <a:rPr lang="en-US" smtClean="0"/>
-              <a:t>20</a:t>
+              <a:t>19</a:t>
             </a:fld>
             <a:endParaRPr lang="en-US"/>
           </a:p>
@@ -1878,7 +1877,7 @@
           <a:p>
             <a:fld id="{75B7C00E-9EAE-46FD-9540-156265FB12BC}" type="slidenum">
               <a:rPr lang="en-US" smtClean="0"/>
-              <a:t>21</a:t>
+              <a:t>20</a:t>
             </a:fld>
             <a:endParaRPr lang="en-US"/>
           </a:p>
@@ -1979,7 +1978,7 @@
           <a:p>
             <a:fld id="{69FC0A38-DBDE-460A-8530-8E0C13833A00}" type="slidenum">
               <a:rPr lang="en-US" smtClean="0"/>
-              <a:t>22</a:t>
+              <a:t>21</a:t>
             </a:fld>
             <a:endParaRPr lang="en-US"/>
           </a:p>
@@ -2231,7 +2230,7 @@
           <a:p>
             <a:fld id="{69FC0A38-DBDE-460A-8530-8E0C13833A00}" type="slidenum">
               <a:rPr lang="en-US" smtClean="0"/>
-              <a:t>23</a:t>
+              <a:t>22</a:t>
             </a:fld>
             <a:endParaRPr lang="en-US"/>
           </a:p>
@@ -2314,13 +2313,8 @@
           <a:p>
             <a:r>
               <a:rPr lang="en-US" dirty="0"/>
-              <a:t>Hospitalization flag was derived from claims (KPWA owns </a:t>
-            </a:r>
-            <a:r>
-              <a:rPr lang="en-US"/>
-              <a:t>no hospitals).</a:t>
-            </a:r>
-            <a:endParaRPr lang="en-US" dirty="0"/>
+              <a:t>Hospitalization flag was derived from claims (KPWA owns no hospitals).</a:t>
+            </a:r>
           </a:p>
           <a:p>
             <a:endParaRPr lang="en-US" dirty="0"/>
@@ -3015,7 +3009,7 @@
           <a:p>
             <a:fld id="{69FC0A38-DBDE-460A-8530-8E0C13833A00}" type="slidenum">
               <a:rPr lang="en-US" smtClean="0"/>
-              <a:t>11</a:t>
+              <a:t>10</a:t>
             </a:fld>
             <a:endParaRPr lang="en-US"/>
           </a:p>
@@ -4622,6 +4616,36 @@
           </a:p>
         </p:txBody>
       </p:sp>
+      <p:pic>
+        <p:nvPicPr>
+          <p:cNvPr id="7" name="Picture 6">
+            <a:extLst>
+              <a:ext uri="{FF2B5EF4-FFF2-40B4-BE49-F238E27FC236}">
+                <a16:creationId xmlns:a16="http://schemas.microsoft.com/office/drawing/2014/main" id="{FC00FA21-FD34-4661-B2CC-B5CF19884729}"/>
+              </a:ext>
+            </a:extLst>
+          </p:cNvPr>
+          <p:cNvPicPr>
+            <a:picLocks noChangeAspect="1"/>
+          </p:cNvPicPr>
+          <p:nvPr userDrawn="1"/>
+        </p:nvPicPr>
+        <p:blipFill>
+          <a:blip r:embed="rId3"/>
+          <a:stretch>
+            <a:fillRect/>
+          </a:stretch>
+        </p:blipFill>
+        <p:spPr>
+          <a:xfrm>
+            <a:off x="90889" y="6317429"/>
+            <a:ext cx="2753911" cy="510603"/>
+          </a:xfrm>
+          <a:prstGeom prst="rect">
+            <a:avLst/>
+          </a:prstGeom>
+        </p:spPr>
+      </p:pic>
     </p:spTree>
     <p:extLst>
       <p:ext uri="{BB962C8B-B14F-4D97-AF65-F5344CB8AC3E}">
@@ -14685,597 +14709,6 @@
 </file>
 
 <file path=ppt/slides/slide10.xml><?xml version="1.0" encoding="utf-8"?>
-<p:sld xmlns:a="http://schemas.openxmlformats.org/drawingml/2006/main" xmlns:r="http://schemas.openxmlformats.org/officeDocument/2006/relationships" xmlns:p="http://schemas.openxmlformats.org/presentationml/2006/main" show="0">
-  <p:cSld>
-    <p:spTree>
-      <p:nvGrpSpPr>
-        <p:cNvPr id="1" name=""/>
-        <p:cNvGrpSpPr/>
-        <p:nvPr/>
-      </p:nvGrpSpPr>
-      <p:grpSpPr>
-        <a:xfrm>
-          <a:off x="0" y="0"/>
-          <a:ext cx="0" cy="0"/>
-          <a:chOff x="0" y="0"/>
-          <a:chExt cx="0" cy="0"/>
-        </a:xfrm>
-      </p:grpSpPr>
-      <p:sp>
-        <p:nvSpPr>
-          <p:cNvPr id="2" name="Title 1">
-            <a:extLst>
-              <a:ext uri="{FF2B5EF4-FFF2-40B4-BE49-F238E27FC236}">
-                <a16:creationId xmlns:a16="http://schemas.microsoft.com/office/drawing/2014/main" id="{A8359E56-4612-42D1-97B6-064E295A4FFB}"/>
-              </a:ext>
-            </a:extLst>
-          </p:cNvPr>
-          <p:cNvSpPr>
-            <a:spLocks noGrp="1"/>
-          </p:cNvSpPr>
-          <p:nvPr>
-            <p:ph type="title"/>
-          </p:nvPr>
-        </p:nvSpPr>
-        <p:spPr/>
-        <p:txBody>
-          <a:bodyPr/>
-          <a:lstStyle/>
-          <a:p>
-            <a:endParaRPr lang="en-US"/>
-          </a:p>
-        </p:txBody>
-      </p:sp>
-      <p:sp>
-        <p:nvSpPr>
-          <p:cNvPr id="3" name="Content Placeholder 2">
-            <a:extLst>
-              <a:ext uri="{FF2B5EF4-FFF2-40B4-BE49-F238E27FC236}">
-                <a16:creationId xmlns:a16="http://schemas.microsoft.com/office/drawing/2014/main" id="{D4BAD9AB-278F-423F-8D43-06FB773A84A3}"/>
-              </a:ext>
-            </a:extLst>
-          </p:cNvPr>
-          <p:cNvSpPr>
-            <a:spLocks noGrp="1"/>
-          </p:cNvSpPr>
-          <p:nvPr>
-            <p:ph idx="1"/>
-          </p:nvPr>
-        </p:nvSpPr>
-        <p:spPr/>
-        <p:txBody>
-          <a:bodyPr/>
-          <a:lstStyle/>
-          <a:p>
-            <a:endParaRPr lang="en-US" dirty="0"/>
-          </a:p>
-        </p:txBody>
-      </p:sp>
-      <p:grpSp>
-        <p:nvGrpSpPr>
-          <p:cNvPr id="4" name="Group 3">
-            <a:extLst>
-              <a:ext uri="{FF2B5EF4-FFF2-40B4-BE49-F238E27FC236}">
-                <a16:creationId xmlns:a16="http://schemas.microsoft.com/office/drawing/2014/main" id="{130EDE03-B98B-4CC3-9A89-9B897D0870C8}"/>
-              </a:ext>
-            </a:extLst>
-          </p:cNvPr>
-          <p:cNvGrpSpPr/>
-          <p:nvPr/>
-        </p:nvGrpSpPr>
-        <p:grpSpPr>
-          <a:xfrm>
-            <a:off x="4772935" y="1522977"/>
-            <a:ext cx="2883567" cy="3418409"/>
-            <a:chOff x="8470233" y="2310063"/>
-            <a:chExt cx="2883567" cy="3418409"/>
-          </a:xfrm>
-        </p:grpSpPr>
-        <p:sp>
-          <p:nvSpPr>
-            <p:cNvPr id="5" name="Rectangle 4">
-              <a:extLst>
-                <a:ext uri="{FF2B5EF4-FFF2-40B4-BE49-F238E27FC236}">
-                  <a16:creationId xmlns:a16="http://schemas.microsoft.com/office/drawing/2014/main" id="{FF45D1E6-D65B-4577-B15F-DCAD65CD6736}"/>
-                </a:ext>
-              </a:extLst>
-            </p:cNvPr>
-            <p:cNvSpPr/>
-            <p:nvPr/>
-          </p:nvSpPr>
-          <p:spPr>
-            <a:xfrm>
-              <a:off x="8470233" y="2310063"/>
-              <a:ext cx="2045367" cy="1467852"/>
-            </a:xfrm>
-            <a:prstGeom prst="rect">
-              <a:avLst/>
-            </a:prstGeom>
-          </p:spPr>
-          <p:style>
-            <a:lnRef idx="2">
-              <a:schemeClr val="accent1">
-                <a:shade val="50000"/>
-              </a:schemeClr>
-            </a:lnRef>
-            <a:fillRef idx="1">
-              <a:schemeClr val="accent1"/>
-            </a:fillRef>
-            <a:effectRef idx="0">
-              <a:schemeClr val="accent1"/>
-            </a:effectRef>
-            <a:fontRef idx="minor">
-              <a:schemeClr val="lt1"/>
-            </a:fontRef>
-          </p:style>
-          <p:txBody>
-            <a:bodyPr rtlCol="0" anchor="ctr"/>
-            <a:lstStyle/>
-            <a:p>
-              <a:pPr algn="ctr"/>
-              <a:endParaRPr lang="en-US"/>
-            </a:p>
-          </p:txBody>
-        </p:sp>
-        <p:sp>
-          <p:nvSpPr>
-            <p:cNvPr id="6" name="Rectangle 5">
-              <a:extLst>
-                <a:ext uri="{FF2B5EF4-FFF2-40B4-BE49-F238E27FC236}">
-                  <a16:creationId xmlns:a16="http://schemas.microsoft.com/office/drawing/2014/main" id="{681C147A-3D15-4EBE-BAA1-2D58753997FC}"/>
-                </a:ext>
-              </a:extLst>
-            </p:cNvPr>
-            <p:cNvSpPr/>
-            <p:nvPr/>
-          </p:nvSpPr>
-          <p:spPr>
-            <a:xfrm>
-              <a:off x="8470233" y="4453120"/>
-              <a:ext cx="2045367" cy="1061358"/>
-            </a:xfrm>
-            <a:prstGeom prst="rect">
-              <a:avLst/>
-            </a:prstGeom>
-            <a:solidFill>
-              <a:schemeClr val="accent2"/>
-            </a:solidFill>
-          </p:spPr>
-          <p:style>
-            <a:lnRef idx="2">
-              <a:schemeClr val="accent1">
-                <a:shade val="50000"/>
-              </a:schemeClr>
-            </a:lnRef>
-            <a:fillRef idx="1">
-              <a:schemeClr val="accent1"/>
-            </a:fillRef>
-            <a:effectRef idx="0">
-              <a:schemeClr val="accent1"/>
-            </a:effectRef>
-            <a:fontRef idx="minor">
-              <a:schemeClr val="lt1"/>
-            </a:fontRef>
-          </p:style>
-          <p:txBody>
-            <a:bodyPr rtlCol="0" anchor="ctr"/>
-            <a:lstStyle/>
-            <a:p>
-              <a:pPr algn="ctr"/>
-              <a:endParaRPr lang="en-US"/>
-            </a:p>
-          </p:txBody>
-        </p:sp>
-        <p:sp>
-          <p:nvSpPr>
-            <p:cNvPr id="7" name="Rectangle 6">
-              <a:extLst>
-                <a:ext uri="{FF2B5EF4-FFF2-40B4-BE49-F238E27FC236}">
-                  <a16:creationId xmlns:a16="http://schemas.microsoft.com/office/drawing/2014/main" id="{027B9468-6F05-4D51-A5AA-F0675BD91DD7}"/>
-                </a:ext>
-              </a:extLst>
-            </p:cNvPr>
-            <p:cNvSpPr/>
-            <p:nvPr/>
-          </p:nvSpPr>
-          <p:spPr>
-            <a:xfrm>
-              <a:off x="8470233" y="3777915"/>
-              <a:ext cx="2045367" cy="675205"/>
-            </a:xfrm>
-            <a:prstGeom prst="rect">
-              <a:avLst/>
-            </a:prstGeom>
-            <a:solidFill>
-              <a:schemeClr val="tx2"/>
-            </a:solidFill>
-          </p:spPr>
-          <p:style>
-            <a:lnRef idx="2">
-              <a:schemeClr val="accent1">
-                <a:shade val="50000"/>
-              </a:schemeClr>
-            </a:lnRef>
-            <a:fillRef idx="1">
-              <a:schemeClr val="accent1"/>
-            </a:fillRef>
-            <a:effectRef idx="0">
-              <a:schemeClr val="accent1"/>
-            </a:effectRef>
-            <a:fontRef idx="minor">
-              <a:schemeClr val="lt1"/>
-            </a:fontRef>
-          </p:style>
-          <p:txBody>
-            <a:bodyPr rtlCol="0" anchor="ctr"/>
-            <a:lstStyle/>
-            <a:p>
-              <a:pPr algn="ctr"/>
-              <a:endParaRPr lang="en-US"/>
-            </a:p>
-          </p:txBody>
-        </p:sp>
-        <p:sp>
-          <p:nvSpPr>
-            <p:cNvPr id="8" name="Rectangle 7">
-              <a:extLst>
-                <a:ext uri="{FF2B5EF4-FFF2-40B4-BE49-F238E27FC236}">
-                  <a16:creationId xmlns:a16="http://schemas.microsoft.com/office/drawing/2014/main" id="{308F6CB6-E557-410B-B682-AE9782A51D95}"/>
-                </a:ext>
-              </a:extLst>
-            </p:cNvPr>
-            <p:cNvSpPr/>
-            <p:nvPr/>
-          </p:nvSpPr>
-          <p:spPr>
-            <a:xfrm>
-              <a:off x="10515600" y="2310063"/>
-              <a:ext cx="838200" cy="1467852"/>
-            </a:xfrm>
-            <a:prstGeom prst="rect">
-              <a:avLst/>
-            </a:prstGeom>
-            <a:solidFill>
-              <a:srgbClr val="21B5FF"/>
-            </a:solidFill>
-          </p:spPr>
-          <p:style>
-            <a:lnRef idx="2">
-              <a:schemeClr val="accent1">
-                <a:shade val="50000"/>
-              </a:schemeClr>
-            </a:lnRef>
-            <a:fillRef idx="1">
-              <a:schemeClr val="accent1"/>
-            </a:fillRef>
-            <a:effectRef idx="0">
-              <a:schemeClr val="accent1"/>
-            </a:effectRef>
-            <a:fontRef idx="minor">
-              <a:schemeClr val="lt1"/>
-            </a:fontRef>
-          </p:style>
-          <p:txBody>
-            <a:bodyPr rtlCol="0" anchor="ctr"/>
-            <a:lstStyle/>
-            <a:p>
-              <a:pPr algn="ctr"/>
-              <a:endParaRPr lang="en-US"/>
-            </a:p>
-          </p:txBody>
-        </p:sp>
-        <p:sp>
-          <p:nvSpPr>
-            <p:cNvPr id="9" name="Rectangle 8">
-              <a:extLst>
-                <a:ext uri="{FF2B5EF4-FFF2-40B4-BE49-F238E27FC236}">
-                  <a16:creationId xmlns:a16="http://schemas.microsoft.com/office/drawing/2014/main" id="{357659DB-9252-406D-9F82-857B9D219372}"/>
-                </a:ext>
-              </a:extLst>
-            </p:cNvPr>
-            <p:cNvSpPr/>
-            <p:nvPr/>
-          </p:nvSpPr>
-          <p:spPr>
-            <a:xfrm>
-              <a:off x="10515600" y="4453120"/>
-              <a:ext cx="838200" cy="1061358"/>
-            </a:xfrm>
-            <a:prstGeom prst="rect">
-              <a:avLst/>
-            </a:prstGeom>
-            <a:solidFill>
-              <a:srgbClr val="80C963"/>
-            </a:solidFill>
-          </p:spPr>
-          <p:style>
-            <a:lnRef idx="2">
-              <a:schemeClr val="accent1">
-                <a:shade val="50000"/>
-              </a:schemeClr>
-            </a:lnRef>
-            <a:fillRef idx="1">
-              <a:schemeClr val="accent1"/>
-            </a:fillRef>
-            <a:effectRef idx="0">
-              <a:schemeClr val="accent1"/>
-            </a:effectRef>
-            <a:fontRef idx="minor">
-              <a:schemeClr val="lt1"/>
-            </a:fontRef>
-          </p:style>
-          <p:txBody>
-            <a:bodyPr rtlCol="0" anchor="ctr"/>
-            <a:lstStyle/>
-            <a:p>
-              <a:pPr algn="ctr"/>
-              <a:endParaRPr lang="en-US"/>
-            </a:p>
-          </p:txBody>
-        </p:sp>
-        <p:sp>
-          <p:nvSpPr>
-            <p:cNvPr id="10" name="Rectangle 9">
-              <a:extLst>
-                <a:ext uri="{FF2B5EF4-FFF2-40B4-BE49-F238E27FC236}">
-                  <a16:creationId xmlns:a16="http://schemas.microsoft.com/office/drawing/2014/main" id="{11B2AC0C-2F74-43FE-A8D2-1894BD601855}"/>
-                </a:ext>
-              </a:extLst>
-            </p:cNvPr>
-            <p:cNvSpPr/>
-            <p:nvPr/>
-          </p:nvSpPr>
-          <p:spPr>
-            <a:xfrm>
-              <a:off x="10515600" y="3777915"/>
-              <a:ext cx="838200" cy="675205"/>
-            </a:xfrm>
-            <a:prstGeom prst="rect">
-              <a:avLst/>
-            </a:prstGeom>
-            <a:solidFill>
-              <a:srgbClr val="098AFF"/>
-            </a:solidFill>
-          </p:spPr>
-          <p:style>
-            <a:lnRef idx="2">
-              <a:schemeClr val="accent1">
-                <a:shade val="50000"/>
-              </a:schemeClr>
-            </a:lnRef>
-            <a:fillRef idx="1">
-              <a:schemeClr val="accent1"/>
-            </a:fillRef>
-            <a:effectRef idx="0">
-              <a:schemeClr val="accent1"/>
-            </a:effectRef>
-            <a:fontRef idx="minor">
-              <a:schemeClr val="lt1"/>
-            </a:fontRef>
-          </p:style>
-          <p:txBody>
-            <a:bodyPr rtlCol="0" anchor="ctr"/>
-            <a:lstStyle/>
-            <a:p>
-              <a:pPr algn="ctr"/>
-              <a:endParaRPr lang="en-US"/>
-            </a:p>
-          </p:txBody>
-        </p:sp>
-        <p:sp>
-          <p:nvSpPr>
-            <p:cNvPr id="11" name="TextBox 10">
-              <a:extLst>
-                <a:ext uri="{FF2B5EF4-FFF2-40B4-BE49-F238E27FC236}">
-                  <a16:creationId xmlns:a16="http://schemas.microsoft.com/office/drawing/2014/main" id="{5336D8D3-AA08-460B-AA71-0792E590EB78}"/>
-                </a:ext>
-              </a:extLst>
-            </p:cNvPr>
-            <p:cNvSpPr txBox="1"/>
-            <p:nvPr/>
-          </p:nvSpPr>
-          <p:spPr>
-            <a:xfrm>
-              <a:off x="8471737" y="4706800"/>
-              <a:ext cx="2045367" cy="553998"/>
-            </a:xfrm>
-            <a:prstGeom prst="rect">
-              <a:avLst/>
-            </a:prstGeom>
-            <a:noFill/>
-          </p:spPr>
-          <p:txBody>
-            <a:bodyPr wrap="square" rtlCol="0">
-              <a:spAutoFit/>
-            </a:bodyPr>
-            <a:lstStyle/>
-            <a:p>
-              <a:r>
-                <a:rPr lang="en-US" sz="3000" dirty="0">
-                  <a:latin typeface="Arial Rounded MT Bold" panose="020F0704030504030204" pitchFamily="34" charset="0"/>
-                </a:rPr>
-                <a:t>Validation</a:t>
-              </a:r>
-            </a:p>
-          </p:txBody>
-        </p:sp>
-        <p:sp>
-          <p:nvSpPr>
-            <p:cNvPr id="12" name="TextBox 11">
-              <a:extLst>
-                <a:ext uri="{FF2B5EF4-FFF2-40B4-BE49-F238E27FC236}">
-                  <a16:creationId xmlns:a16="http://schemas.microsoft.com/office/drawing/2014/main" id="{15E75921-62E7-4236-A132-9E7E2CF2A134}"/>
-                </a:ext>
-              </a:extLst>
-            </p:cNvPr>
-            <p:cNvSpPr txBox="1"/>
-            <p:nvPr/>
-          </p:nvSpPr>
-          <p:spPr>
-            <a:xfrm>
-              <a:off x="9722030" y="2756287"/>
-              <a:ext cx="1305762" cy="461665"/>
-            </a:xfrm>
-            <a:prstGeom prst="rect">
-              <a:avLst/>
-            </a:prstGeom>
-            <a:noFill/>
-          </p:spPr>
-          <p:txBody>
-            <a:bodyPr wrap="square" rtlCol="0">
-              <a:spAutoFit/>
-            </a:bodyPr>
-            <a:lstStyle/>
-            <a:p>
-              <a:r>
-                <a:rPr lang="en-US" sz="2400" dirty="0">
-                  <a:solidFill>
-                    <a:schemeClr val="bg1"/>
-                  </a:solidFill>
-                  <a:latin typeface="Arial Rounded MT Bold" panose="020F0704030504030204" pitchFamily="34" charset="0"/>
-                </a:rPr>
-                <a:t>TRAIN</a:t>
-              </a:r>
-            </a:p>
-          </p:txBody>
-        </p:sp>
-        <p:sp>
-          <p:nvSpPr>
-            <p:cNvPr id="13" name="TextBox 12">
-              <a:extLst>
-                <a:ext uri="{FF2B5EF4-FFF2-40B4-BE49-F238E27FC236}">
-                  <a16:creationId xmlns:a16="http://schemas.microsoft.com/office/drawing/2014/main" id="{ABA01EAE-633B-42AE-B368-F8846DC6E8D5}"/>
-                </a:ext>
-              </a:extLst>
-            </p:cNvPr>
-            <p:cNvSpPr txBox="1"/>
-            <p:nvPr/>
-          </p:nvSpPr>
-          <p:spPr>
-            <a:xfrm>
-              <a:off x="9880307" y="3903721"/>
-              <a:ext cx="1102288" cy="461665"/>
-            </a:xfrm>
-            <a:prstGeom prst="rect">
-              <a:avLst/>
-            </a:prstGeom>
-            <a:noFill/>
-          </p:spPr>
-          <p:txBody>
-            <a:bodyPr wrap="square" rtlCol="0">
-              <a:spAutoFit/>
-            </a:bodyPr>
-            <a:lstStyle/>
-            <a:p>
-              <a:r>
-                <a:rPr lang="en-US" sz="2400" dirty="0">
-                  <a:solidFill>
-                    <a:schemeClr val="bg1"/>
-                  </a:solidFill>
-                  <a:latin typeface="Arial Rounded MT Bold" panose="020F0704030504030204" pitchFamily="34" charset="0"/>
-                </a:rPr>
-                <a:t>TEST</a:t>
-              </a:r>
-            </a:p>
-          </p:txBody>
-        </p:sp>
-        <p:sp>
-          <p:nvSpPr>
-            <p:cNvPr id="14" name="TextBox 13">
-              <a:extLst>
-                <a:ext uri="{FF2B5EF4-FFF2-40B4-BE49-F238E27FC236}">
-                  <a16:creationId xmlns:a16="http://schemas.microsoft.com/office/drawing/2014/main" id="{9ECD0B32-E38E-496D-AA63-B341D3A2F81A}"/>
-                </a:ext>
-              </a:extLst>
-            </p:cNvPr>
-            <p:cNvSpPr txBox="1"/>
-            <p:nvPr/>
-          </p:nvSpPr>
-          <p:spPr>
-            <a:xfrm rot="5400000">
-              <a:off x="9667999" y="4138770"/>
-              <a:ext cx="2779294" cy="400110"/>
-            </a:xfrm>
-            <a:prstGeom prst="rect">
-              <a:avLst/>
-            </a:prstGeom>
-            <a:noFill/>
-          </p:spPr>
-          <p:txBody>
-            <a:bodyPr wrap="square" rtlCol="0">
-              <a:spAutoFit/>
-            </a:bodyPr>
-            <a:lstStyle/>
-            <a:p>
-              <a:r>
-                <a:rPr lang="en-US" sz="2000" b="1" dirty="0">
-                  <a:solidFill>
-                    <a:schemeClr val="accent6">
-                      <a:lumMod val="75000"/>
-                    </a:schemeClr>
-                  </a:solidFill>
-                  <a:latin typeface="Bookman Old Style" panose="02050604050505020204" pitchFamily="18" charset="0"/>
-                </a:rPr>
-                <a:t>HOSPITALIZED</a:t>
-              </a:r>
-            </a:p>
-          </p:txBody>
-        </p:sp>
-        <p:sp>
-          <p:nvSpPr>
-            <p:cNvPr id="15" name="TextBox 14">
-              <a:extLst>
-                <a:ext uri="{FF2B5EF4-FFF2-40B4-BE49-F238E27FC236}">
-                  <a16:creationId xmlns:a16="http://schemas.microsoft.com/office/drawing/2014/main" id="{33FCDA99-AF90-4056-9087-C5B4451BDF3E}"/>
-                </a:ext>
-              </a:extLst>
-            </p:cNvPr>
-            <p:cNvSpPr txBox="1"/>
-            <p:nvPr/>
-          </p:nvSpPr>
-          <p:spPr>
-            <a:xfrm>
-              <a:off x="8471737" y="3399180"/>
-              <a:ext cx="2837433" cy="553998"/>
-            </a:xfrm>
-            <a:prstGeom prst="rect">
-              <a:avLst/>
-            </a:prstGeom>
-            <a:noFill/>
-          </p:spPr>
-          <p:txBody>
-            <a:bodyPr wrap="square" rtlCol="0">
-              <a:spAutoFit/>
-            </a:bodyPr>
-            <a:lstStyle/>
-            <a:p>
-              <a:r>
-                <a:rPr lang="en-US" sz="3000" dirty="0">
-                  <a:solidFill>
-                    <a:schemeClr val="bg1"/>
-                  </a:solidFill>
-                  <a:latin typeface="Arial Rounded MT Bold" panose="020F0704030504030204" pitchFamily="34" charset="0"/>
-                </a:rPr>
-                <a:t>Development</a:t>
-              </a:r>
-            </a:p>
-          </p:txBody>
-        </p:sp>
-      </p:grpSp>
-    </p:spTree>
-    <p:extLst>
-      <p:ext uri="{BB962C8B-B14F-4D97-AF65-F5344CB8AC3E}">
-        <p14:creationId xmlns:p14="http://schemas.microsoft.com/office/powerpoint/2010/main" val="2051280787"/>
-      </p:ext>
-    </p:extLst>
-  </p:cSld>
-  <p:clrMapOvr>
-    <a:masterClrMapping/>
-  </p:clrMapOvr>
-</p:sld>
-</file>
-
-<file path=ppt/slides/slide11.xml><?xml version="1.0" encoding="utf-8"?>
 <p:sld xmlns:a="http://schemas.openxmlformats.org/drawingml/2006/main" xmlns:r="http://schemas.openxmlformats.org/officeDocument/2006/relationships" xmlns:p="http://schemas.openxmlformats.org/presentationml/2006/main">
   <p:cSld>
     <p:spTree>
@@ -15377,7 +14810,7 @@
           <a:p>
             <a:r>
               <a:rPr lang="en-US" dirty="0"/>
-              <a:t>The Anaconda distribution of Python is not difficult at all</a:t>
+              <a:t>The Anaconda distribution of Python is not difficult at all.</a:t>
             </a:r>
           </a:p>
           <a:p>
@@ -15539,7 +14972,7 @@
 </p:sld>
 </file>
 
-<file path=ppt/slides/slide12.xml><?xml version="1.0" encoding="utf-8"?>
+<file path=ppt/slides/slide11.xml><?xml version="1.0" encoding="utf-8"?>
 <p:sld xmlns:a="http://schemas.openxmlformats.org/drawingml/2006/main" xmlns:r="http://schemas.openxmlformats.org/officeDocument/2006/relationships" xmlns:p="http://schemas.openxmlformats.org/presentationml/2006/main">
   <p:cSld>
     <p:spTree>
@@ -15624,7 +15057,7 @@
 </p:sld>
 </file>
 
-<file path=ppt/slides/slide13.xml><?xml version="1.0" encoding="utf-8"?>
+<file path=ppt/slides/slide12.xml><?xml version="1.0" encoding="utf-8"?>
 <p:sld xmlns:a="http://schemas.openxmlformats.org/drawingml/2006/main" xmlns:r="http://schemas.openxmlformats.org/officeDocument/2006/relationships" xmlns:p="http://schemas.openxmlformats.org/presentationml/2006/main">
   <p:cSld>
     <p:spTree>
@@ -15709,7 +15142,7 @@
 </p:sld>
 </file>
 
-<file path=ppt/slides/slide14.xml><?xml version="1.0" encoding="utf-8"?>
+<file path=ppt/slides/slide13.xml><?xml version="1.0" encoding="utf-8"?>
 <p:sld xmlns:a="http://schemas.openxmlformats.org/drawingml/2006/main" xmlns:r="http://schemas.openxmlformats.org/officeDocument/2006/relationships" xmlns:p="http://schemas.openxmlformats.org/presentationml/2006/main">
   <p:cSld>
     <p:spTree>
@@ -16464,7 +15897,7 @@
 </p:sld>
 </file>
 
-<file path=ppt/slides/slide15.xml><?xml version="1.0" encoding="utf-8"?>
+<file path=ppt/slides/slide14.xml><?xml version="1.0" encoding="utf-8"?>
 <p:sld xmlns:a="http://schemas.openxmlformats.org/drawingml/2006/main" xmlns:r="http://schemas.openxmlformats.org/officeDocument/2006/relationships" xmlns:p="http://schemas.openxmlformats.org/presentationml/2006/main">
   <p:cSld>
     <p:spTree>
@@ -16639,7 +16072,7 @@
 </p:sld>
 </file>
 
-<file path=ppt/slides/slide16.xml><?xml version="1.0" encoding="utf-8"?>
+<file path=ppt/slides/slide15.xml><?xml version="1.0" encoding="utf-8"?>
 <p:sld xmlns:a="http://schemas.openxmlformats.org/drawingml/2006/main" xmlns:r="http://schemas.openxmlformats.org/officeDocument/2006/relationships" xmlns:p="http://schemas.openxmlformats.org/presentationml/2006/main">
   <p:cSld>
     <p:bg>
@@ -16791,7 +16224,7 @@
 </p:sld>
 </file>
 
-<file path=ppt/slides/slide17.xml><?xml version="1.0" encoding="utf-8"?>
+<file path=ppt/slides/slide16.xml><?xml version="1.0" encoding="utf-8"?>
 <p:sld xmlns:a="http://schemas.openxmlformats.org/drawingml/2006/main" xmlns:r="http://schemas.openxmlformats.org/officeDocument/2006/relationships" xmlns:p="http://schemas.openxmlformats.org/presentationml/2006/main">
   <p:cSld>
     <p:bg>
@@ -16905,7 +16338,7 @@
 </p:sld>
 </file>
 
-<file path=ppt/slides/slide18.xml><?xml version="1.0" encoding="utf-8"?>
+<file path=ppt/slides/slide17.xml><?xml version="1.0" encoding="utf-8"?>
 <p:sld xmlns:a="http://schemas.openxmlformats.org/drawingml/2006/main" xmlns:r="http://schemas.openxmlformats.org/officeDocument/2006/relationships" xmlns:p="http://schemas.openxmlformats.org/presentationml/2006/main">
   <p:cSld>
     <p:bg>
@@ -17019,7 +16452,7 @@
 </p:sld>
 </file>
 
-<file path=ppt/slides/slide19.xml><?xml version="1.0" encoding="utf-8"?>
+<file path=ppt/slides/slide18.xml><?xml version="1.0" encoding="utf-8"?>
 <p:sld xmlns:a="http://schemas.openxmlformats.org/drawingml/2006/main" xmlns:r="http://schemas.openxmlformats.org/officeDocument/2006/relationships" xmlns:p="http://schemas.openxmlformats.org/presentationml/2006/main">
   <p:cSld>
     <p:spTree>
@@ -17319,6 +16752,155 @@
     <p:extLst>
       <p:ext uri="{BB962C8B-B14F-4D97-AF65-F5344CB8AC3E}">
         <p14:creationId xmlns:p14="http://schemas.microsoft.com/office/powerpoint/2010/main" val="981534588"/>
+      </p:ext>
+    </p:extLst>
+  </p:cSld>
+  <p:clrMapOvr>
+    <a:masterClrMapping/>
+  </p:clrMapOvr>
+</p:sld>
+</file>
+
+<file path=ppt/slides/slide19.xml><?xml version="1.0" encoding="utf-8"?>
+<p:sld xmlns:a="http://schemas.openxmlformats.org/drawingml/2006/main" xmlns:r="http://schemas.openxmlformats.org/officeDocument/2006/relationships" xmlns:p="http://schemas.openxmlformats.org/presentationml/2006/main">
+  <p:cSld>
+    <p:spTree>
+      <p:nvGrpSpPr>
+        <p:cNvPr id="1" name=""/>
+        <p:cNvGrpSpPr/>
+        <p:nvPr/>
+      </p:nvGrpSpPr>
+      <p:grpSpPr>
+        <a:xfrm>
+          <a:off x="0" y="0"/>
+          <a:ext cx="0" cy="0"/>
+          <a:chOff x="0" y="0"/>
+          <a:chExt cx="0" cy="0"/>
+        </a:xfrm>
+      </p:grpSpPr>
+      <p:sp>
+        <p:nvSpPr>
+          <p:cNvPr id="2" name="Title 1">
+            <a:extLst>
+              <a:ext uri="{FF2B5EF4-FFF2-40B4-BE49-F238E27FC236}">
+                <a16:creationId xmlns:a16="http://schemas.microsoft.com/office/drawing/2014/main" id="{02D0C212-A423-49D2-99A2-0CFFB9139CF3}"/>
+              </a:ext>
+            </a:extLst>
+          </p:cNvPr>
+          <p:cNvSpPr>
+            <a:spLocks noGrp="1"/>
+          </p:cNvSpPr>
+          <p:nvPr>
+            <p:ph type="title"/>
+          </p:nvPr>
+        </p:nvSpPr>
+        <p:spPr/>
+        <p:txBody>
+          <a:bodyPr/>
+          <a:lstStyle/>
+          <a:p>
+            <a:r>
+              <a:rPr lang="en-US" sz="3600" dirty="0"/>
+              <a:t>Future Directions</a:t>
+            </a:r>
+          </a:p>
+        </p:txBody>
+      </p:sp>
+      <p:sp>
+        <p:nvSpPr>
+          <p:cNvPr id="3" name="Content Placeholder 2">
+            <a:extLst>
+              <a:ext uri="{FF2B5EF4-FFF2-40B4-BE49-F238E27FC236}">
+                <a16:creationId xmlns:a16="http://schemas.microsoft.com/office/drawing/2014/main" id="{3E2DE287-CB92-4B45-90F1-E8D2F1F543B5}"/>
+              </a:ext>
+            </a:extLst>
+          </p:cNvPr>
+          <p:cNvSpPr>
+            <a:spLocks noGrp="1"/>
+          </p:cNvSpPr>
+          <p:nvPr>
+            <p:ph idx="1"/>
+          </p:nvPr>
+        </p:nvSpPr>
+        <p:spPr/>
+        <p:txBody>
+          <a:bodyPr>
+            <a:normAutofit/>
+          </a:bodyPr>
+          <a:lstStyle/>
+          <a:p>
+            <a:r>
+              <a:rPr lang="en-US" sz="2400" dirty="0"/>
+              <a:t>Switch </a:t>
+            </a:r>
+          </a:p>
+          <a:p>
+            <a:pPr lvl="1"/>
+            <a:r>
+              <a:rPr lang="en-US" sz="2400" dirty="0"/>
+              <a:t>from using binary feature flags to counts of feature occurrences.</a:t>
+            </a:r>
+          </a:p>
+          <a:p>
+            <a:pPr lvl="1"/>
+            <a:r>
+              <a:rPr lang="en-US" sz="2400" dirty="0"/>
+              <a:t>to ingredient-level </a:t>
+            </a:r>
+            <a:r>
+              <a:rPr lang="en-US" sz="2400" dirty="0" err="1"/>
+              <a:t>RxCUIs</a:t>
+            </a:r>
+            <a:r>
+              <a:rPr lang="en-US" sz="2400" dirty="0"/>
+              <a:t> (or supplement with?)</a:t>
+            </a:r>
+          </a:p>
+          <a:p>
+            <a:pPr lvl="1"/>
+            <a:r>
+              <a:rPr lang="en-US" sz="2400" dirty="0"/>
+              <a:t>to lower-latency sources for dx/</a:t>
+            </a:r>
+            <a:r>
+              <a:rPr lang="en-US" sz="2400" dirty="0" err="1"/>
+              <a:t>px</a:t>
+            </a:r>
+            <a:r>
+              <a:rPr lang="en-US" sz="2400" dirty="0"/>
+              <a:t> (other sources are already daily).</a:t>
+            </a:r>
+          </a:p>
+          <a:p>
+            <a:r>
+              <a:rPr lang="en-US" sz="2400" dirty="0"/>
+              <a:t>Try additional classifiers.</a:t>
+            </a:r>
+          </a:p>
+          <a:p>
+            <a:r>
+              <a:rPr lang="en-US" sz="2400" dirty="0"/>
+              <a:t>Tweak Parameters.</a:t>
+            </a:r>
+          </a:p>
+          <a:p>
+            <a:r>
+              <a:rPr lang="en-US" sz="2400" dirty="0"/>
+              <a:t>Expand population, either to additional diseases, or to the general population.</a:t>
+            </a:r>
+          </a:p>
+          <a:p>
+            <a:r>
+              <a:rPr lang="en-US" sz="2400" dirty="0"/>
+              <a:t>Create additional predictors for Care Managers’ ratings of success/impact.</a:t>
+            </a:r>
+          </a:p>
+        </p:txBody>
+      </p:sp>
+    </p:spTree>
+    <p:extLst>
+      <p:ext uri="{BB962C8B-B14F-4D97-AF65-F5344CB8AC3E}">
+        <p14:creationId xmlns:p14="http://schemas.microsoft.com/office/powerpoint/2010/main" val="437207696"/>
       </p:ext>
     </p:extLst>
   </p:cSld>
@@ -17562,155 +17144,6 @@
       </p:grpSpPr>
       <p:sp>
         <p:nvSpPr>
-          <p:cNvPr id="2" name="Title 1">
-            <a:extLst>
-              <a:ext uri="{FF2B5EF4-FFF2-40B4-BE49-F238E27FC236}">
-                <a16:creationId xmlns:a16="http://schemas.microsoft.com/office/drawing/2014/main" id="{02D0C212-A423-49D2-99A2-0CFFB9139CF3}"/>
-              </a:ext>
-            </a:extLst>
-          </p:cNvPr>
-          <p:cNvSpPr>
-            <a:spLocks noGrp="1"/>
-          </p:cNvSpPr>
-          <p:nvPr>
-            <p:ph type="title"/>
-          </p:nvPr>
-        </p:nvSpPr>
-        <p:spPr/>
-        <p:txBody>
-          <a:bodyPr/>
-          <a:lstStyle/>
-          <a:p>
-            <a:r>
-              <a:rPr lang="en-US" sz="3600" dirty="0"/>
-              <a:t>Future Directions</a:t>
-            </a:r>
-          </a:p>
-        </p:txBody>
-      </p:sp>
-      <p:sp>
-        <p:nvSpPr>
-          <p:cNvPr id="3" name="Content Placeholder 2">
-            <a:extLst>
-              <a:ext uri="{FF2B5EF4-FFF2-40B4-BE49-F238E27FC236}">
-                <a16:creationId xmlns:a16="http://schemas.microsoft.com/office/drawing/2014/main" id="{3E2DE287-CB92-4B45-90F1-E8D2F1F543B5}"/>
-              </a:ext>
-            </a:extLst>
-          </p:cNvPr>
-          <p:cNvSpPr>
-            <a:spLocks noGrp="1"/>
-          </p:cNvSpPr>
-          <p:nvPr>
-            <p:ph idx="1"/>
-          </p:nvPr>
-        </p:nvSpPr>
-        <p:spPr/>
-        <p:txBody>
-          <a:bodyPr>
-            <a:normAutofit/>
-          </a:bodyPr>
-          <a:lstStyle/>
-          <a:p>
-            <a:r>
-              <a:rPr lang="en-US" sz="2400" dirty="0"/>
-              <a:t>Switch </a:t>
-            </a:r>
-          </a:p>
-          <a:p>
-            <a:pPr lvl="1"/>
-            <a:r>
-              <a:rPr lang="en-US" sz="2400" dirty="0"/>
-              <a:t>from using binary feature flags to counts of feature occurrences.</a:t>
-            </a:r>
-          </a:p>
-          <a:p>
-            <a:pPr lvl="1"/>
-            <a:r>
-              <a:rPr lang="en-US" sz="2400" dirty="0"/>
-              <a:t>to ingredient-level </a:t>
-            </a:r>
-            <a:r>
-              <a:rPr lang="en-US" sz="2400" dirty="0" err="1"/>
-              <a:t>RxCUIs</a:t>
-            </a:r>
-            <a:r>
-              <a:rPr lang="en-US" sz="2400" dirty="0"/>
-              <a:t> (or supplement with?)</a:t>
-            </a:r>
-          </a:p>
-          <a:p>
-            <a:pPr lvl="1"/>
-            <a:r>
-              <a:rPr lang="en-US" sz="2400" dirty="0"/>
-              <a:t>to lower-latency sources for dx/</a:t>
-            </a:r>
-            <a:r>
-              <a:rPr lang="en-US" sz="2400" dirty="0" err="1"/>
-              <a:t>px</a:t>
-            </a:r>
-            <a:r>
-              <a:rPr lang="en-US" sz="2400" dirty="0"/>
-              <a:t> (other sources are already daily).</a:t>
-            </a:r>
-          </a:p>
-          <a:p>
-            <a:r>
-              <a:rPr lang="en-US" sz="2400" dirty="0"/>
-              <a:t>Try additional classifiers.</a:t>
-            </a:r>
-          </a:p>
-          <a:p>
-            <a:r>
-              <a:rPr lang="en-US" sz="2400" dirty="0"/>
-              <a:t>Tweak Parameters.</a:t>
-            </a:r>
-          </a:p>
-          <a:p>
-            <a:r>
-              <a:rPr lang="en-US" sz="2400" dirty="0"/>
-              <a:t>Expand population, either to additional diseases, or to the general population.</a:t>
-            </a:r>
-          </a:p>
-          <a:p>
-            <a:r>
-              <a:rPr lang="en-US" sz="2400" dirty="0"/>
-              <a:t>Create additional predictors for Care Managers’ ratings of success/impact.</a:t>
-            </a:r>
-          </a:p>
-        </p:txBody>
-      </p:sp>
-    </p:spTree>
-    <p:extLst>
-      <p:ext uri="{BB962C8B-B14F-4D97-AF65-F5344CB8AC3E}">
-        <p14:creationId xmlns:p14="http://schemas.microsoft.com/office/powerpoint/2010/main" val="437207696"/>
-      </p:ext>
-    </p:extLst>
-  </p:cSld>
-  <p:clrMapOvr>
-    <a:masterClrMapping/>
-  </p:clrMapOvr>
-</p:sld>
-</file>
-
-<file path=ppt/slides/slide21.xml><?xml version="1.0" encoding="utf-8"?>
-<p:sld xmlns:a="http://schemas.openxmlformats.org/drawingml/2006/main" xmlns:r="http://schemas.openxmlformats.org/officeDocument/2006/relationships" xmlns:p="http://schemas.openxmlformats.org/presentationml/2006/main">
-  <p:cSld>
-    <p:spTree>
-      <p:nvGrpSpPr>
-        <p:cNvPr id="1" name=""/>
-        <p:cNvGrpSpPr/>
-        <p:nvPr/>
-      </p:nvGrpSpPr>
-      <p:grpSpPr>
-        <a:xfrm>
-          <a:off x="0" y="0"/>
-          <a:ext cx="0" cy="0"/>
-          <a:chOff x="0" y="0"/>
-          <a:chExt cx="0" cy="0"/>
-        </a:xfrm>
-      </p:grpSpPr>
-      <p:sp>
-        <p:nvSpPr>
           <p:cNvPr id="5" name="Title 4">
             <a:extLst>
               <a:ext uri="{FF2B5EF4-FFF2-40B4-BE49-F238E27FC236}">
@@ -17815,7 +17248,7 @@
           <a:p>
             <a:fld id="{6D22F896-40B5-4ADD-8801-0D06FADFA095}" type="slidenum">
               <a:rPr lang="en-US" smtClean="0"/>
-              <a:t>21</a:t>
+              <a:t>20</a:t>
             </a:fld>
             <a:endParaRPr lang="en-US" dirty="0"/>
           </a:p>
@@ -17834,7 +17267,7 @@
 </p:sld>
 </file>
 
-<file path=ppt/slides/slide22.xml><?xml version="1.0" encoding="utf-8"?>
+<file path=ppt/slides/slide21.xml><?xml version="1.0" encoding="utf-8"?>
 <p:sld xmlns:a="http://schemas.openxmlformats.org/drawingml/2006/main" xmlns:r="http://schemas.openxmlformats.org/officeDocument/2006/relationships" xmlns:p="http://schemas.openxmlformats.org/presentationml/2006/main">
   <p:cSld>
     <p:bg>
@@ -17903,7 +17336,7 @@
 </p:sld>
 </file>
 
-<file path=ppt/slides/slide23.xml><?xml version="1.0" encoding="utf-8"?>
+<file path=ppt/slides/slide22.xml><?xml version="1.0" encoding="utf-8"?>
 <p:sld xmlns:a="http://schemas.openxmlformats.org/drawingml/2006/main" xmlns:r="http://schemas.openxmlformats.org/officeDocument/2006/relationships" xmlns:p="http://schemas.openxmlformats.org/presentationml/2006/main">
   <p:cSld>
     <p:bg>
@@ -21089,7 +20522,7 @@
               <a:buAutoNum type="arabicPeriod"/>
             </a:pPr>
             <a:r>
-              <a:rPr lang="en-US" sz="2400"/>
+              <a:rPr lang="en-US" sz="2400" dirty="0"/>
               <a:t>Read the Development data out of the database.</a:t>
             </a:r>
           </a:p>
@@ -21099,8 +20532,12 @@
               <a:buAutoNum type="arabicPeriod"/>
             </a:pPr>
             <a:r>
-              <a:rPr lang="en-US" sz="2400"/>
-              <a:t>Split Development into two-thirds TRAIN and one-third TEST (stratified by Hospitalization status).</a:t>
+              <a:rPr lang="en-US" dirty="0"/>
+              <a:t>Randomly s</a:t>
+            </a:r>
+            <a:r>
+              <a:rPr lang="en-US" sz="2400" dirty="0"/>
+              <a:t>plit Development into two-thirds TRAIN and one-third TEST (stratified by Hospitalization status).</a:t>
             </a:r>
           </a:p>
           <a:p>
@@ -21109,7 +20546,7 @@
               <a:buAutoNum type="arabicPeriod"/>
             </a:pPr>
             <a:r>
-              <a:rPr lang="en-US" sz="2400"/>
+              <a:rPr lang="en-US" sz="2400" dirty="0"/>
               <a:t>Train various classifiers (random forest, support vector, etc.) on TRAIN</a:t>
             </a:r>
           </a:p>
@@ -21119,7 +20556,7 @@
               <a:buAutoNum type="arabicPeriod"/>
             </a:pPr>
             <a:r>
-              <a:rPr lang="en-US" sz="2400"/>
+              <a:rPr lang="en-US" sz="2400" dirty="0"/>
               <a:t>Use those trained classifiers to predict the cases in TEST.</a:t>
             </a:r>
           </a:p>
@@ -21129,7 +20566,7 @@
               <a:buAutoNum type="arabicPeriod"/>
             </a:pPr>
             <a:r>
-              <a:rPr lang="en-US" sz="2400"/>
+              <a:rPr lang="en-US" sz="2400" dirty="0"/>
               <a:t>Evaluate performance.</a:t>
             </a:r>
           </a:p>
@@ -21139,15 +20576,15 @@
               <a:buAutoNum type="arabicPeriod"/>
             </a:pPr>
             <a:r>
-              <a:rPr lang="en-US" sz="2400"/>
+              <a:rPr lang="en-US" sz="2400" dirty="0"/>
               <a:t>If performance is unsatisfactory </a:t>
             </a:r>
             <a:r>
-              <a:rPr lang="en-US" sz="2400" b="1"/>
+              <a:rPr lang="en-US" sz="2400" b="1" dirty="0"/>
               <a:t>and</a:t>
             </a:r>
             <a:r>
-              <a:rPr lang="en-US" sz="2400"/>
+              <a:rPr lang="en-US" sz="2400" dirty="0"/>
               <a:t> we can think of something to tweak, do those tweaks and return to #1.</a:t>
             </a:r>
           </a:p>
@@ -21157,10 +20594,9 @@
               <a:buAutoNum type="arabicPeriod"/>
             </a:pPr>
             <a:r>
-              <a:rPr lang="en-US" sz="2400"/>
+              <a:rPr lang="en-US" sz="2400" dirty="0"/>
               <a:t>When done iterating (if we think we have something) evaluate classifiers in the held-back Validation data.</a:t>
             </a:r>
-            <a:endParaRPr lang="en-US" sz="2400" dirty="0"/>
           </a:p>
         </p:txBody>
       </p:sp>
